--- a/Predicting Cancellations.pptx
+++ b/Predicting Cancellations.pptx
@@ -6138,7 +6138,7 @@
       </p:sp>
       <p:pic>
         <p:nvPicPr>
-          <p:cNvPr id="2052" name="Picture 4"/>
+          <p:cNvPr id="1026" name="Picture 2"/>
           <p:cNvPicPr>
             <a:picLocks noChangeAspect="1" noChangeArrowheads="1"/>
           </p:cNvPicPr>
@@ -6159,8 +6159,8 @@
         </p:blipFill>
         <p:spPr bwMode="auto">
           <a:xfrm>
-            <a:off x="4624579" y="2057400"/>
-            <a:ext cx="3833622" cy="3276600"/>
+            <a:off x="4876800" y="2133600"/>
+            <a:ext cx="3390900" cy="2819400"/>
           </a:xfrm>
           <a:prstGeom prst="rect">
             <a:avLst/>
@@ -6333,7 +6333,7 @@
                                           </p:stCondLst>
                                         </p:cTn>
                                         <p:tgtEl>
-                                          <p:spTgt spid="2052"/>
+                                          <p:spTgt spid="1026"/>
                                         </p:tgtEl>
                                         <p:attrNameLst>
                                           <p:attrName>style.visibility</p:attrName>
@@ -6347,7 +6347,7 @@
                                       <p:cBhvr>
                                         <p:cTn id="14" dur="2000"/>
                                         <p:tgtEl>
-                                          <p:spTgt spid="2052"/>
+                                          <p:spTgt spid="1026"/>
                                         </p:tgtEl>
                                       </p:cBhvr>
                                     </p:animEffect>

--- a/Predicting Cancellations.pptx
+++ b/Predicting Cancellations.pptx
@@ -10,8 +10,9 @@
     <p:sldId id="257" r:id="rId4"/>
     <p:sldId id="258" r:id="rId5"/>
     <p:sldId id="259" r:id="rId6"/>
-    <p:sldId id="261" r:id="rId7"/>
-    <p:sldId id="262" r:id="rId8"/>
+    <p:sldId id="263" r:id="rId7"/>
+    <p:sldId id="261" r:id="rId8"/>
+    <p:sldId id="262" r:id="rId9"/>
   </p:sldIdLst>
   <p:sldSz cx="9144000" cy="6858000" type="screen4x3"/>
   <p:notesSz cx="6858000" cy="9144000"/>
@@ -286,7 +287,7 @@
           <a:p>
             <a:fld id="{CC512E98-5307-4D2A-9622-54EB7D336C56}" type="datetimeFigureOut">
               <a:rPr lang="en-US" smtClean="0"/>
-              <a:t>8/23/2019</a:t>
+              <a:t>8/29/2019</a:t>
             </a:fld>
             <a:endParaRPr lang="en-US"/>
           </a:p>
@@ -451,7 +452,7 @@
           <a:p>
             <a:fld id="{CC512E98-5307-4D2A-9622-54EB7D336C56}" type="datetimeFigureOut">
               <a:rPr lang="en-US" smtClean="0"/>
-              <a:t>8/23/2019</a:t>
+              <a:t>8/29/2019</a:t>
             </a:fld>
             <a:endParaRPr lang="en-US"/>
           </a:p>
@@ -626,7 +627,7 @@
           <a:p>
             <a:fld id="{CC512E98-5307-4D2A-9622-54EB7D336C56}" type="datetimeFigureOut">
               <a:rPr lang="en-US" smtClean="0"/>
-              <a:t>8/23/2019</a:t>
+              <a:t>8/29/2019</a:t>
             </a:fld>
             <a:endParaRPr lang="en-US"/>
           </a:p>
@@ -791,7 +792,7 @@
           <a:p>
             <a:fld id="{CC512E98-5307-4D2A-9622-54EB7D336C56}" type="datetimeFigureOut">
               <a:rPr lang="en-US" smtClean="0"/>
-              <a:t>8/23/2019</a:t>
+              <a:t>8/29/2019</a:t>
             </a:fld>
             <a:endParaRPr lang="en-US"/>
           </a:p>
@@ -1033,7 +1034,7 @@
           <a:p>
             <a:fld id="{CC512E98-5307-4D2A-9622-54EB7D336C56}" type="datetimeFigureOut">
               <a:rPr lang="en-US" smtClean="0"/>
-              <a:t>8/23/2019</a:t>
+              <a:t>8/29/2019</a:t>
             </a:fld>
             <a:endParaRPr lang="en-US"/>
           </a:p>
@@ -1297,7 +1298,7 @@
           <a:p>
             <a:fld id="{CC512E98-5307-4D2A-9622-54EB7D336C56}" type="datetimeFigureOut">
               <a:rPr lang="en-US" smtClean="0"/>
-              <a:t>8/23/2019</a:t>
+              <a:t>8/29/2019</a:t>
             </a:fld>
             <a:endParaRPr lang="en-US"/>
           </a:p>
@@ -1675,7 +1676,7 @@
           <a:p>
             <a:fld id="{CC512E98-5307-4D2A-9622-54EB7D336C56}" type="datetimeFigureOut">
               <a:rPr lang="en-US" smtClean="0"/>
-              <a:t>8/23/2019</a:t>
+              <a:t>8/29/2019</a:t>
             </a:fld>
             <a:endParaRPr lang="en-US"/>
           </a:p>
@@ -1825,7 +1826,7 @@
           <a:p>
             <a:fld id="{CC512E98-5307-4D2A-9622-54EB7D336C56}" type="datetimeFigureOut">
               <a:rPr lang="en-US" smtClean="0"/>
-              <a:t>8/23/2019</a:t>
+              <a:t>8/29/2019</a:t>
             </a:fld>
             <a:endParaRPr lang="en-US"/>
           </a:p>
@@ -1915,7 +1916,7 @@
           <a:p>
             <a:fld id="{CC512E98-5307-4D2A-9622-54EB7D336C56}" type="datetimeFigureOut">
               <a:rPr lang="en-US" smtClean="0"/>
-              <a:t>8/23/2019</a:t>
+              <a:t>8/29/2019</a:t>
             </a:fld>
             <a:endParaRPr lang="en-US"/>
           </a:p>
@@ -2176,7 +2177,7 @@
           <a:p>
             <a:fld id="{CC512E98-5307-4D2A-9622-54EB7D336C56}" type="datetimeFigureOut">
               <a:rPr lang="en-US" smtClean="0"/>
-              <a:t>8/23/2019</a:t>
+              <a:t>8/29/2019</a:t>
             </a:fld>
             <a:endParaRPr lang="en-US"/>
           </a:p>
@@ -2464,7 +2465,7 @@
           <a:p>
             <a:fld id="{CC512E98-5307-4D2A-9622-54EB7D336C56}" type="datetimeFigureOut">
               <a:rPr lang="en-US" smtClean="0"/>
-              <a:t>8/23/2019</a:t>
+              <a:t>8/29/2019</a:t>
             </a:fld>
             <a:endParaRPr lang="en-US"/>
           </a:p>
@@ -3235,7 +3236,7 @@
           <a:p>
             <a:fld id="{CC512E98-5307-4D2A-9622-54EB7D336C56}" type="datetimeFigureOut">
               <a:rPr lang="en-US" smtClean="0"/>
-              <a:t>8/23/2019</a:t>
+              <a:t>8/29/2019</a:t>
             </a:fld>
             <a:endParaRPr lang="en-US"/>
           </a:p>
@@ -6972,6 +6973,213 @@
           </a:p>
         </p:txBody>
       </p:sp>
+      <p:grpSp>
+        <p:nvGrpSpPr>
+          <p:cNvPr id="9" name="Group 8"/>
+          <p:cNvGrpSpPr/>
+          <p:nvPr/>
+        </p:nvGrpSpPr>
+        <p:grpSpPr>
+          <a:xfrm>
+            <a:off x="5562600" y="1752599"/>
+            <a:ext cx="3429000" cy="2851079"/>
+            <a:chOff x="5562600" y="1752599"/>
+            <a:chExt cx="3429000" cy="2851079"/>
+          </a:xfrm>
+        </p:grpSpPr>
+        <p:pic>
+          <p:nvPicPr>
+            <p:cNvPr id="4" name="Picture 2"/>
+            <p:cNvPicPr>
+              <a:picLocks noChangeAspect="1" noChangeArrowheads="1"/>
+            </p:cNvPicPr>
+            <p:nvPr/>
+          </p:nvPicPr>
+          <p:blipFill>
+            <a:blip r:embed="rId2">
+              <a:clrChange>
+                <a:clrFrom>
+                  <a:srgbClr val="FFFFFF"/>
+                </a:clrFrom>
+                <a:clrTo>
+                  <a:srgbClr val="FFFFFF">
+                    <a:alpha val="0"/>
+                  </a:srgbClr>
+                </a:clrTo>
+              </a:clrChange>
+              <a:extLst>
+                <a:ext uri="{28A0092B-C50C-407E-A947-70E740481C1C}">
+                  <a14:useLocalDpi xmlns:a14="http://schemas.microsoft.com/office/drawing/2010/main" val="0"/>
+                </a:ext>
+              </a:extLst>
+            </a:blip>
+            <a:srcRect/>
+            <a:stretch>
+              <a:fillRect/>
+            </a:stretch>
+          </p:blipFill>
+          <p:spPr bwMode="auto">
+            <a:xfrm>
+              <a:off x="5562600" y="1752599"/>
+              <a:ext cx="3429000" cy="2851079"/>
+            </a:xfrm>
+            <a:prstGeom prst="rect">
+              <a:avLst/>
+            </a:prstGeom>
+            <a:noFill/>
+            <a:ln>
+              <a:noFill/>
+            </a:ln>
+            <a:extLst>
+              <a:ext uri="{909E8E84-426E-40DD-AFC4-6F175D3DCCD1}">
+                <a14:hiddenFill xmlns:a14="http://schemas.microsoft.com/office/drawing/2010/main">
+                  <a:solidFill>
+                    <a:schemeClr val="accent1"/>
+                  </a:solidFill>
+                </a14:hiddenFill>
+              </a:ext>
+              <a:ext uri="{91240B29-F687-4F45-9708-019B960494DF}">
+                <a14:hiddenLine xmlns:a14="http://schemas.microsoft.com/office/drawing/2010/main" w="9525">
+                  <a:solidFill>
+                    <a:schemeClr val="tx1"/>
+                  </a:solidFill>
+                  <a:miter lim="800000"/>
+                  <a:headEnd/>
+                  <a:tailEnd/>
+                </a14:hiddenLine>
+              </a:ext>
+            </a:extLst>
+          </p:spPr>
+        </p:pic>
+        <p:sp>
+          <p:nvSpPr>
+            <p:cNvPr id="5" name="TextBox 4"/>
+            <p:cNvSpPr txBox="1"/>
+            <p:nvPr/>
+          </p:nvSpPr>
+          <p:spPr>
+            <a:xfrm>
+              <a:off x="6553200" y="2009001"/>
+              <a:ext cx="413331" cy="276999"/>
+            </a:xfrm>
+            <a:prstGeom prst="rect">
+              <a:avLst/>
+            </a:prstGeom>
+            <a:noFill/>
+          </p:spPr>
+          <p:txBody>
+            <a:bodyPr wrap="square" rtlCol="0">
+              <a:spAutoFit/>
+            </a:bodyPr>
+            <a:lstStyle/>
+            <a:p>
+              <a:r>
+                <a:rPr lang="en-US" sz="1200" dirty="0" smtClean="0">
+                  <a:solidFill>
+                    <a:schemeClr val="bg1"/>
+                  </a:solidFill>
+                </a:rPr>
+                <a:t>$0</a:t>
+              </a:r>
+              <a:endParaRPr lang="en-US" sz="1200" dirty="0">
+                <a:solidFill>
+                  <a:schemeClr val="bg1"/>
+                </a:solidFill>
+              </a:endParaRPr>
+            </a:p>
+          </p:txBody>
+        </p:sp>
+        <p:sp>
+          <p:nvSpPr>
+            <p:cNvPr id="6" name="TextBox 5"/>
+            <p:cNvSpPr txBox="1"/>
+            <p:nvPr/>
+          </p:nvSpPr>
+          <p:spPr>
+            <a:xfrm>
+              <a:off x="7848600" y="2009001"/>
+              <a:ext cx="641931" cy="276999"/>
+            </a:xfrm>
+            <a:prstGeom prst="rect">
+              <a:avLst/>
+            </a:prstGeom>
+            <a:noFill/>
+          </p:spPr>
+          <p:txBody>
+            <a:bodyPr wrap="square" rtlCol="0">
+              <a:spAutoFit/>
+            </a:bodyPr>
+            <a:lstStyle/>
+            <a:p>
+              <a:r>
+                <a:rPr lang="en-US" sz="1200" dirty="0" smtClean="0"/>
+                <a:t>- $500</a:t>
+              </a:r>
+              <a:endParaRPr lang="en-US" sz="1200" dirty="0"/>
+            </a:p>
+          </p:txBody>
+        </p:sp>
+        <p:sp>
+          <p:nvSpPr>
+            <p:cNvPr id="7" name="TextBox 6"/>
+            <p:cNvSpPr txBox="1"/>
+            <p:nvPr/>
+          </p:nvSpPr>
+          <p:spPr>
+            <a:xfrm>
+              <a:off x="7904377" y="3152001"/>
+              <a:ext cx="553823" cy="276999"/>
+            </a:xfrm>
+            <a:prstGeom prst="rect">
+              <a:avLst/>
+            </a:prstGeom>
+            <a:noFill/>
+          </p:spPr>
+          <p:txBody>
+            <a:bodyPr wrap="square" rtlCol="0">
+              <a:spAutoFit/>
+            </a:bodyPr>
+            <a:lstStyle/>
+            <a:p>
+              <a:r>
+                <a:rPr lang="en-US" sz="1200" dirty="0" smtClean="0"/>
+                <a:t>$940</a:t>
+              </a:r>
+              <a:endParaRPr lang="en-US" sz="1200" dirty="0"/>
+            </a:p>
+          </p:txBody>
+        </p:sp>
+        <p:sp>
+          <p:nvSpPr>
+            <p:cNvPr id="8" name="TextBox 7"/>
+            <p:cNvSpPr txBox="1"/>
+            <p:nvPr/>
+          </p:nvSpPr>
+          <p:spPr>
+            <a:xfrm>
+              <a:off x="6387611" y="3161735"/>
+              <a:ext cx="679845" cy="276999"/>
+            </a:xfrm>
+            <a:prstGeom prst="rect">
+              <a:avLst/>
+            </a:prstGeom>
+            <a:noFill/>
+          </p:spPr>
+          <p:txBody>
+            <a:bodyPr wrap="square" rtlCol="0">
+              <a:spAutoFit/>
+            </a:bodyPr>
+            <a:lstStyle/>
+            <a:p>
+              <a:r>
+                <a:rPr lang="en-US" sz="1200" dirty="0" smtClean="0"/>
+                <a:t>- $1440</a:t>
+              </a:r>
+              <a:endParaRPr lang="en-US" sz="1200" dirty="0"/>
+            </a:p>
+          </p:txBody>
+        </p:sp>
+      </p:grpSp>
     </p:spTree>
     <p:extLst>
       <p:ext uri="{BB962C8B-B14F-4D97-AF65-F5344CB8AC3E}">
@@ -7952,6 +8160,134 @@
         </p:nvSpPr>
         <p:spPr/>
         <p:txBody>
+          <a:bodyPr/>
+          <a:lstStyle/>
+          <a:p>
+            <a:r>
+              <a:rPr lang="en-US" dirty="0" smtClean="0"/>
+              <a:t>Scenarios </a:t>
+            </a:r>
+            <a:endParaRPr lang="en-US" dirty="0"/>
+          </a:p>
+        </p:txBody>
+      </p:sp>
+      <p:sp>
+        <p:nvSpPr>
+          <p:cNvPr id="3" name="Content Placeholder 2"/>
+          <p:cNvSpPr>
+            <a:spLocks noGrp="1"/>
+          </p:cNvSpPr>
+          <p:nvPr>
+            <p:ph idx="1"/>
+          </p:nvPr>
+        </p:nvSpPr>
+        <p:spPr/>
+        <p:txBody>
+          <a:bodyPr/>
+          <a:lstStyle/>
+          <a:p>
+            <a:r>
+              <a:rPr lang="en-US" dirty="0" smtClean="0"/>
+              <a:t>Alex has a bill over $72 a month and is planning to cancel service. Total bill over 24 months - $1738</a:t>
+            </a:r>
+            <a:br>
+              <a:rPr lang="en-US" dirty="0" smtClean="0"/>
+            </a:br>
+            <a:r>
+              <a:rPr lang="en-US" dirty="0" smtClean="0"/>
+              <a:t>We offer $500 off a new phone in exchange for a 24 month contract.</a:t>
+            </a:r>
+            <a:br>
+              <a:rPr lang="en-US" dirty="0" smtClean="0"/>
+            </a:br>
+            <a:r>
+              <a:rPr lang="en-US" dirty="0" smtClean="0"/>
+              <a:t>We gain $1238 over 24 months</a:t>
+            </a:r>
+          </a:p>
+          <a:p>
+            <a:r>
+              <a:rPr lang="en-US" dirty="0" smtClean="0"/>
+              <a:t>Jack has a bill over $72 a month but is not planning to cancel service. </a:t>
+            </a:r>
+            <a:r>
+              <a:rPr lang="en-US" dirty="0"/>
+              <a:t>Total bill over 24 months - $</a:t>
+            </a:r>
+            <a:r>
+              <a:rPr lang="en-US" dirty="0" smtClean="0"/>
+              <a:t>1738</a:t>
+            </a:r>
+            <a:br>
+              <a:rPr lang="en-US" dirty="0" smtClean="0"/>
+            </a:br>
+            <a:r>
+              <a:rPr lang="en-US" dirty="0"/>
+              <a:t>We offer $500 off a new phone in exchange for a 24 month contract.</a:t>
+            </a:r>
+            <a:br>
+              <a:rPr lang="en-US" dirty="0"/>
+            </a:br>
+            <a:r>
+              <a:rPr lang="en-US" dirty="0"/>
+              <a:t>We </a:t>
+            </a:r>
+            <a:r>
+              <a:rPr lang="en-US" dirty="0" smtClean="0"/>
+              <a:t>lose $500 </a:t>
+            </a:r>
+            <a:r>
+              <a:rPr lang="en-US" dirty="0"/>
+              <a:t>over 24 months</a:t>
+            </a:r>
+          </a:p>
+          <a:p>
+            <a:endParaRPr lang="en-US" dirty="0"/>
+          </a:p>
+        </p:txBody>
+      </p:sp>
+    </p:spTree>
+    <p:extLst>
+      <p:ext uri="{BB962C8B-B14F-4D97-AF65-F5344CB8AC3E}">
+        <p14:creationId xmlns:p14="http://schemas.microsoft.com/office/powerpoint/2010/main" val="571340213"/>
+      </p:ext>
+    </p:extLst>
+  </p:cSld>
+  <p:clrMapOvr>
+    <a:masterClrMapping/>
+  </p:clrMapOvr>
+</p:sld>
+</file>
+
+<file path=ppt/slides/slide7.xml><?xml version="1.0" encoding="utf-8"?>
+<p:sld xmlns:a="http://schemas.openxmlformats.org/drawingml/2006/main" xmlns:r="http://schemas.openxmlformats.org/officeDocument/2006/relationships" xmlns:p="http://schemas.openxmlformats.org/presentationml/2006/main">
+  <p:cSld>
+    <p:spTree>
+      <p:nvGrpSpPr>
+        <p:cNvPr id="1" name=""/>
+        <p:cNvGrpSpPr/>
+        <p:nvPr/>
+      </p:nvGrpSpPr>
+      <p:grpSpPr>
+        <a:xfrm>
+          <a:off x="0" y="0"/>
+          <a:ext cx="0" cy="0"/>
+          <a:chOff x="0" y="0"/>
+          <a:chExt cx="0" cy="0"/>
+        </a:xfrm>
+      </p:grpSpPr>
+      <p:sp>
+        <p:nvSpPr>
+          <p:cNvPr id="2" name="Title 1"/>
+          <p:cNvSpPr>
+            <a:spLocks noGrp="1"/>
+          </p:cNvSpPr>
+          <p:nvPr>
+            <p:ph type="title"/>
+          </p:nvPr>
+        </p:nvSpPr>
+        <p:spPr/>
+        <p:txBody>
           <a:bodyPr>
             <a:normAutofit/>
           </a:bodyPr>
@@ -8391,7 +8727,7 @@
 </p:sld>
 </file>
 
-<file path=ppt/slides/slide7.xml><?xml version="1.0" encoding="utf-8"?>
+<file path=ppt/slides/slide8.xml><?xml version="1.0" encoding="utf-8"?>
 <p:sld xmlns:a="http://schemas.openxmlformats.org/drawingml/2006/main" xmlns:r="http://schemas.openxmlformats.org/officeDocument/2006/relationships" xmlns:p="http://schemas.openxmlformats.org/presentationml/2006/main">
   <p:cSld>
     <p:spTree>
